--- a/duochong/界面.pptx
+++ b/duochong/界面.pptx
@@ -6,9 +6,8 @@
   </p:sldMasterIdLst>
   <p:sldIdLst>
     <p:sldId id="256" r:id="rId2"/>
-    <p:sldId id="258" r:id="rId3"/>
   </p:sldIdLst>
-  <p:sldSz cx="9144000" cy="6858000" type="screen4x3"/>
+  <p:sldSz cx="9144000" cy="10801350"/>
   <p:notesSz cx="6858000" cy="9144000"/>
   <p:defaultTextStyle>
     <a:defPPr>
@@ -137,8 +136,8 @@
         </p:nvSpPr>
         <p:spPr>
           <a:xfrm>
-            <a:off x="685800" y="2130425"/>
-            <a:ext cx="7772400" cy="1470025"/>
+            <a:off x="685800" y="3355420"/>
+            <a:ext cx="7772400" cy="2315289"/>
           </a:xfrm>
         </p:spPr>
         <p:txBody>
@@ -165,8 +164,8 @@
         </p:nvSpPr>
         <p:spPr>
           <a:xfrm>
-            <a:off x="1371600" y="3886200"/>
-            <a:ext cx="6400800" cy="1752600"/>
+            <a:off x="1371600" y="6120765"/>
+            <a:ext cx="6400800" cy="2760345"/>
           </a:xfrm>
         </p:spPr>
         <p:txBody>
@@ -289,7 +288,7 @@
           <a:p>
             <a:fld id="{530820CF-B880-4189-942D-D702A7CBA730}" type="datetimeFigureOut">
               <a:rPr lang="zh-CN" altLang="en-US" smtClean="0"/>
-              <a:t>2021/10/15</a:t>
+              <a:t>2021/12/26</a:t>
             </a:fld>
             <a:endParaRPr lang="zh-CN" altLang="en-US"/>
           </a:p>
@@ -454,7 +453,7 @@
           <a:p>
             <a:fld id="{530820CF-B880-4189-942D-D702A7CBA730}" type="datetimeFigureOut">
               <a:rPr lang="zh-CN" altLang="en-US" smtClean="0"/>
-              <a:t>2021/10/15</a:t>
+              <a:t>2021/12/26</a:t>
             </a:fld>
             <a:endParaRPr lang="zh-CN" altLang="en-US"/>
           </a:p>
@@ -539,8 +538,8 @@
         </p:nvSpPr>
         <p:spPr>
           <a:xfrm>
-            <a:off x="6629400" y="274638"/>
-            <a:ext cx="2057400" cy="5851525"/>
+            <a:off x="6629400" y="432556"/>
+            <a:ext cx="2057400" cy="9216152"/>
           </a:xfrm>
         </p:spPr>
         <p:txBody>
@@ -567,8 +566,8 @@
         </p:nvSpPr>
         <p:spPr>
           <a:xfrm>
-            <a:off x="457200" y="274638"/>
-            <a:ext cx="6019800" cy="5851525"/>
+            <a:off x="457200" y="432556"/>
+            <a:ext cx="6019800" cy="9216152"/>
           </a:xfrm>
         </p:spPr>
         <p:txBody>
@@ -629,7 +628,7 @@
           <a:p>
             <a:fld id="{530820CF-B880-4189-942D-D702A7CBA730}" type="datetimeFigureOut">
               <a:rPr lang="zh-CN" altLang="en-US" smtClean="0"/>
-              <a:t>2021/10/15</a:t>
+              <a:t>2021/12/26</a:t>
             </a:fld>
             <a:endParaRPr lang="zh-CN" altLang="en-US"/>
           </a:p>
@@ -794,7 +793,7 @@
           <a:p>
             <a:fld id="{530820CF-B880-4189-942D-D702A7CBA730}" type="datetimeFigureOut">
               <a:rPr lang="zh-CN" altLang="en-US" smtClean="0"/>
-              <a:t>2021/10/15</a:t>
+              <a:t>2021/12/26</a:t>
             </a:fld>
             <a:endParaRPr lang="zh-CN" altLang="en-US"/>
           </a:p>
@@ -879,8 +878,8 @@
         </p:nvSpPr>
         <p:spPr>
           <a:xfrm>
-            <a:off x="722313" y="4406900"/>
-            <a:ext cx="7772400" cy="1362075"/>
+            <a:off x="722313" y="6940868"/>
+            <a:ext cx="7772400" cy="2145268"/>
           </a:xfrm>
         </p:spPr>
         <p:txBody>
@@ -911,8 +910,8 @@
         </p:nvSpPr>
         <p:spPr>
           <a:xfrm>
-            <a:off x="722313" y="2906713"/>
-            <a:ext cx="7772400" cy="1500187"/>
+            <a:off x="722313" y="4578074"/>
+            <a:ext cx="7772400" cy="2362795"/>
           </a:xfrm>
         </p:spPr>
         <p:txBody>
@@ -1035,7 +1034,7 @@
           <a:p>
             <a:fld id="{530820CF-B880-4189-942D-D702A7CBA730}" type="datetimeFigureOut">
               <a:rPr lang="zh-CN" altLang="en-US" smtClean="0"/>
-              <a:t>2021/10/15</a:t>
+              <a:t>2021/12/26</a:t>
             </a:fld>
             <a:endParaRPr lang="zh-CN" altLang="en-US"/>
           </a:p>
@@ -1143,8 +1142,8 @@
         </p:nvSpPr>
         <p:spPr>
           <a:xfrm>
-            <a:off x="457200" y="1600200"/>
-            <a:ext cx="4038600" cy="4525963"/>
+            <a:off x="457200" y="2520316"/>
+            <a:ext cx="4038600" cy="7128392"/>
           </a:xfrm>
         </p:spPr>
         <p:txBody>
@@ -1228,8 +1227,8 @@
         </p:nvSpPr>
         <p:spPr>
           <a:xfrm>
-            <a:off x="4648200" y="1600200"/>
-            <a:ext cx="4038600" cy="4525963"/>
+            <a:off x="4648200" y="2520316"/>
+            <a:ext cx="4038600" cy="7128392"/>
           </a:xfrm>
         </p:spPr>
         <p:txBody>
@@ -1318,7 +1317,7 @@
           <a:p>
             <a:fld id="{530820CF-B880-4189-942D-D702A7CBA730}" type="datetimeFigureOut">
               <a:rPr lang="zh-CN" altLang="en-US" smtClean="0"/>
-              <a:t>2021/10/15</a:t>
+              <a:t>2021/12/26</a:t>
             </a:fld>
             <a:endParaRPr lang="zh-CN" altLang="en-US"/>
           </a:p>
@@ -1430,8 +1429,8 @@
         </p:nvSpPr>
         <p:spPr>
           <a:xfrm>
-            <a:off x="457200" y="1535113"/>
-            <a:ext cx="4040188" cy="639762"/>
+            <a:off x="457200" y="2417803"/>
+            <a:ext cx="4040188" cy="1007625"/>
           </a:xfrm>
         </p:spPr>
         <p:txBody>
@@ -1495,8 +1494,8 @@
         </p:nvSpPr>
         <p:spPr>
           <a:xfrm>
-            <a:off x="457200" y="2174875"/>
-            <a:ext cx="4040188" cy="3951288"/>
+            <a:off x="457200" y="3425428"/>
+            <a:ext cx="4040188" cy="6223279"/>
           </a:xfrm>
         </p:spPr>
         <p:txBody>
@@ -1580,8 +1579,8 @@
         </p:nvSpPr>
         <p:spPr>
           <a:xfrm>
-            <a:off x="4645025" y="1535113"/>
-            <a:ext cx="4041775" cy="639762"/>
+            <a:off x="4645026" y="2417803"/>
+            <a:ext cx="4041775" cy="1007625"/>
           </a:xfrm>
         </p:spPr>
         <p:txBody>
@@ -1645,8 +1644,8 @@
         </p:nvSpPr>
         <p:spPr>
           <a:xfrm>
-            <a:off x="4645025" y="2174875"/>
-            <a:ext cx="4041775" cy="3951288"/>
+            <a:off x="4645026" y="3425428"/>
+            <a:ext cx="4041775" cy="6223279"/>
           </a:xfrm>
         </p:spPr>
         <p:txBody>
@@ -1735,7 +1734,7 @@
           <a:p>
             <a:fld id="{530820CF-B880-4189-942D-D702A7CBA730}" type="datetimeFigureOut">
               <a:rPr lang="zh-CN" altLang="en-US" smtClean="0"/>
-              <a:t>2021/10/15</a:t>
+              <a:t>2021/12/26</a:t>
             </a:fld>
             <a:endParaRPr lang="zh-CN" altLang="en-US"/>
           </a:p>
@@ -1848,7 +1847,7 @@
           <a:p>
             <a:fld id="{530820CF-B880-4189-942D-D702A7CBA730}" type="datetimeFigureOut">
               <a:rPr lang="zh-CN" altLang="en-US" smtClean="0"/>
-              <a:t>2021/10/15</a:t>
+              <a:t>2021/12/26</a:t>
             </a:fld>
             <a:endParaRPr lang="zh-CN" altLang="en-US"/>
           </a:p>
@@ -1938,7 +1937,7 @@
           <a:p>
             <a:fld id="{530820CF-B880-4189-942D-D702A7CBA730}" type="datetimeFigureOut">
               <a:rPr lang="zh-CN" altLang="en-US" smtClean="0"/>
-              <a:t>2021/10/15</a:t>
+              <a:t>2021/12/26</a:t>
             </a:fld>
             <a:endParaRPr lang="zh-CN" altLang="en-US"/>
           </a:p>
@@ -2023,8 +2022,8 @@
         </p:nvSpPr>
         <p:spPr>
           <a:xfrm>
-            <a:off x="457200" y="273050"/>
-            <a:ext cx="3008313" cy="1162050"/>
+            <a:off x="457201" y="430054"/>
+            <a:ext cx="3008313" cy="1830229"/>
           </a:xfrm>
         </p:spPr>
         <p:txBody>
@@ -2055,8 +2054,8 @@
         </p:nvSpPr>
         <p:spPr>
           <a:xfrm>
-            <a:off x="3575050" y="273050"/>
-            <a:ext cx="5111750" cy="5853113"/>
+            <a:off x="3575050" y="430055"/>
+            <a:ext cx="5111750" cy="9218653"/>
           </a:xfrm>
         </p:spPr>
         <p:txBody>
@@ -2140,8 +2139,8 @@
         </p:nvSpPr>
         <p:spPr>
           <a:xfrm>
-            <a:off x="457200" y="1435100"/>
-            <a:ext cx="3008313" cy="4691063"/>
+            <a:off x="457201" y="2260283"/>
+            <a:ext cx="3008313" cy="7388424"/>
           </a:xfrm>
         </p:spPr>
         <p:txBody>
@@ -2210,7 +2209,7 @@
           <a:p>
             <a:fld id="{530820CF-B880-4189-942D-D702A7CBA730}" type="datetimeFigureOut">
               <a:rPr lang="zh-CN" altLang="en-US" smtClean="0"/>
-              <a:t>2021/10/15</a:t>
+              <a:t>2021/12/26</a:t>
             </a:fld>
             <a:endParaRPr lang="zh-CN" altLang="en-US"/>
           </a:p>
@@ -2295,8 +2294,8 @@
         </p:nvSpPr>
         <p:spPr>
           <a:xfrm>
-            <a:off x="1792288" y="4800600"/>
-            <a:ext cx="5486400" cy="566738"/>
+            <a:off x="1792288" y="7560945"/>
+            <a:ext cx="5486400" cy="892612"/>
           </a:xfrm>
         </p:spPr>
         <p:txBody>
@@ -2327,8 +2326,8 @@
         </p:nvSpPr>
         <p:spPr>
           <a:xfrm>
-            <a:off x="1792288" y="612775"/>
-            <a:ext cx="5486400" cy="4114800"/>
+            <a:off x="1792288" y="965121"/>
+            <a:ext cx="5486400" cy="6480810"/>
           </a:xfrm>
         </p:spPr>
         <p:txBody>
@@ -2388,8 +2387,8 @@
         </p:nvSpPr>
         <p:spPr>
           <a:xfrm>
-            <a:off x="1792288" y="5367338"/>
-            <a:ext cx="5486400" cy="804862"/>
+            <a:off x="1792288" y="8453557"/>
+            <a:ext cx="5486400" cy="1267658"/>
           </a:xfrm>
         </p:spPr>
         <p:txBody>
@@ -2458,7 +2457,7 @@
           <a:p>
             <a:fld id="{530820CF-B880-4189-942D-D702A7CBA730}" type="datetimeFigureOut">
               <a:rPr lang="zh-CN" altLang="en-US" smtClean="0"/>
-              <a:t>2021/10/15</a:t>
+              <a:t>2021/12/26</a:t>
             </a:fld>
             <a:endParaRPr lang="zh-CN" altLang="en-US"/>
           </a:p>
@@ -2548,8 +2547,8 @@
         </p:nvSpPr>
         <p:spPr>
           <a:xfrm>
-            <a:off x="457200" y="274638"/>
-            <a:ext cx="8229600" cy="1143000"/>
+            <a:off x="457200" y="432555"/>
+            <a:ext cx="8229600" cy="1800225"/>
           </a:xfrm>
           <a:prstGeom prst="rect">
             <a:avLst/>
@@ -2581,8 +2580,8 @@
         </p:nvSpPr>
         <p:spPr>
           <a:xfrm>
-            <a:off x="457200" y="1600200"/>
-            <a:ext cx="8229600" cy="4525963"/>
+            <a:off x="457200" y="2520316"/>
+            <a:ext cx="8229600" cy="7128392"/>
           </a:xfrm>
           <a:prstGeom prst="rect">
             <a:avLst/>
@@ -2643,8 +2642,8 @@
         </p:nvSpPr>
         <p:spPr>
           <a:xfrm>
-            <a:off x="457200" y="6356350"/>
-            <a:ext cx="2133600" cy="365125"/>
+            <a:off x="457200" y="10011252"/>
+            <a:ext cx="2133600" cy="575072"/>
           </a:xfrm>
           <a:prstGeom prst="rect">
             <a:avLst/>
@@ -2666,7 +2665,7 @@
           <a:p>
             <a:fld id="{530820CF-B880-4189-942D-D702A7CBA730}" type="datetimeFigureOut">
               <a:rPr lang="zh-CN" altLang="en-US" smtClean="0"/>
-              <a:t>2021/10/15</a:t>
+              <a:t>2021/12/26</a:t>
             </a:fld>
             <a:endParaRPr lang="zh-CN" altLang="en-US"/>
           </a:p>
@@ -2684,8 +2683,8 @@
         </p:nvSpPr>
         <p:spPr>
           <a:xfrm>
-            <a:off x="3124200" y="6356350"/>
-            <a:ext cx="2895600" cy="365125"/>
+            <a:off x="3124200" y="10011252"/>
+            <a:ext cx="2895600" cy="575072"/>
           </a:xfrm>
           <a:prstGeom prst="rect">
             <a:avLst/>
@@ -2721,8 +2720,8 @@
         </p:nvSpPr>
         <p:spPr>
           <a:xfrm>
-            <a:off x="6553200" y="6356350"/>
-            <a:ext cx="2133600" cy="365125"/>
+            <a:off x="6553200" y="10011252"/>
+            <a:ext cx="2133600" cy="575072"/>
           </a:xfrm>
           <a:prstGeom prst="rect">
             <a:avLst/>
@@ -3038,7 +3037,7 @@
       </p:grpSpPr>
       <p:pic>
         <p:nvPicPr>
-          <p:cNvPr id="3" name="图片 2"/>
+          <p:cNvPr id="4" name="图片 3"/>
           <p:cNvPicPr>
             <a:picLocks noChangeAspect="1"/>
           </p:cNvPicPr>
@@ -3058,8 +3057,8 @@
         </p:blipFill>
         <p:spPr>
           <a:xfrm>
-            <a:off x="3203848" y="1337841"/>
-            <a:ext cx="2825895" cy="4165814"/>
+            <a:off x="3140844" y="2448347"/>
+            <a:ext cx="2889398" cy="6388428"/>
           </a:xfrm>
           <a:prstGeom prst="rect">
             <a:avLst/>
@@ -3068,21 +3067,59 @@
       </p:pic>
       <p:sp>
         <p:nvSpPr>
-          <p:cNvPr id="7" name="线形标注 1 6"/>
+          <p:cNvPr id="2" name="TextBox 1"/>
+          <p:cNvSpPr txBox="1"/>
+          <p:nvPr/>
+        </p:nvSpPr>
+        <p:spPr>
+          <a:xfrm>
+            <a:off x="2703280" y="1440235"/>
+            <a:ext cx="3672408" cy="523220"/>
+          </a:xfrm>
+          <a:prstGeom prst="rect">
+            <a:avLst/>
+          </a:prstGeom>
+          <a:noFill/>
+        </p:spPr>
+        <p:txBody>
+          <a:bodyPr wrap="square" rtlCol="0">
+            <a:spAutoFit/>
+          </a:bodyPr>
+          <a:lstStyle/>
+          <a:p>
+            <a:r>
+              <a:rPr lang="zh-CN" altLang="en-US" sz="2800" b="1" dirty="0" smtClean="0">
+                <a:solidFill>
+                  <a:srgbClr val="FF0000"/>
+                </a:solidFill>
+              </a:rPr>
+              <a:t>界面介绍</a:t>
+            </a:r>
+            <a:endParaRPr lang="zh-CN" altLang="en-US" sz="2800" b="1" dirty="0">
+              <a:solidFill>
+                <a:srgbClr val="FF0000"/>
+              </a:solidFill>
+            </a:endParaRPr>
+          </a:p>
+        </p:txBody>
+      </p:sp>
+      <p:sp>
+        <p:nvSpPr>
+          <p:cNvPr id="11" name="线形标注 1 10"/>
           <p:cNvSpPr/>
           <p:nvPr/>
         </p:nvSpPr>
         <p:spPr>
           <a:xfrm>
-            <a:off x="2051720" y="1844824"/>
-            <a:ext cx="936104" cy="288032"/>
+            <a:off x="2141280" y="3024411"/>
+            <a:ext cx="864096" cy="288032"/>
           </a:xfrm>
           <a:prstGeom prst="borderCallout1">
             <a:avLst>
-              <a:gd name="adj1" fmla="val 50496"/>
-              <a:gd name="adj2" fmla="val 100338"/>
-              <a:gd name="adj3" fmla="val 120437"/>
-              <a:gd name="adj4" fmla="val 158861"/>
+              <a:gd name="adj1" fmla="val 44544"/>
+              <a:gd name="adj2" fmla="val 98811"/>
+              <a:gd name="adj3" fmla="val 46141"/>
+              <a:gd name="adj4" fmla="val 159078"/>
             </a:avLst>
           </a:prstGeom>
           <a:noFill/>
@@ -3131,21 +3168,21 @@
       </p:sp>
       <p:sp>
         <p:nvSpPr>
-          <p:cNvPr id="10" name="线形标注 1 9"/>
+          <p:cNvPr id="14" name="线形标注 1 13"/>
           <p:cNvSpPr/>
           <p:nvPr/>
         </p:nvSpPr>
         <p:spPr>
           <a:xfrm>
-            <a:off x="2069272" y="2879693"/>
-            <a:ext cx="936104" cy="417537"/>
+            <a:off x="1971405" y="3846546"/>
+            <a:ext cx="1141553" cy="288032"/>
           </a:xfrm>
           <a:prstGeom prst="borderCallout1">
             <a:avLst>
-              <a:gd name="adj1" fmla="val 50496"/>
-              <a:gd name="adj2" fmla="val 100338"/>
-              <a:gd name="adj3" fmla="val 89069"/>
-              <a:gd name="adj4" fmla="val 147261"/>
+              <a:gd name="adj1" fmla="val 44544"/>
+              <a:gd name="adj2" fmla="val 98811"/>
+              <a:gd name="adj3" fmla="val 46142"/>
+              <a:gd name="adj4" fmla="val 124961"/>
             </a:avLst>
           </a:prstGeom>
           <a:noFill/>
@@ -3182,7 +3219,23 @@
                   <a:srgbClr val="FF0000"/>
                 </a:solidFill>
               </a:rPr>
-              <a:t>输入因变量列数</a:t>
+              <a:t>因变量</a:t>
+            </a:r>
+            <a:r>
+              <a:rPr lang="zh-CN" altLang="en-US" sz="1200" dirty="0" smtClean="0">
+                <a:solidFill>
+                  <a:srgbClr val="FF0000"/>
+                </a:solidFill>
+              </a:rPr>
+              <a:t>列</a:t>
+            </a:r>
+            <a:r>
+              <a:rPr lang="zh-CN" altLang="en-US" sz="1200" dirty="0" smtClean="0">
+                <a:solidFill>
+                  <a:srgbClr val="FF0000"/>
+                </a:solidFill>
+              </a:rPr>
+              <a:t>数</a:t>
             </a:r>
             <a:endParaRPr lang="zh-CN" altLang="en-US" sz="1200" dirty="0">
               <a:solidFill>
@@ -3194,21 +3247,21 @@
       </p:sp>
       <p:sp>
         <p:nvSpPr>
-          <p:cNvPr id="13" name="线形标注 1 12"/>
+          <p:cNvPr id="16" name="线形标注 1 15"/>
           <p:cNvSpPr/>
           <p:nvPr/>
         </p:nvSpPr>
         <p:spPr>
           <a:xfrm>
-            <a:off x="1979712" y="5013176"/>
-            <a:ext cx="1152128" cy="288032"/>
+            <a:off x="2087489" y="4464571"/>
+            <a:ext cx="971678" cy="432048"/>
           </a:xfrm>
           <a:prstGeom prst="borderCallout1">
             <a:avLst>
-              <a:gd name="adj1" fmla="val 52481"/>
-              <a:gd name="adj2" fmla="val 99417"/>
-              <a:gd name="adj3" fmla="val 56724"/>
-              <a:gd name="adj4" fmla="val 133288"/>
+              <a:gd name="adj1" fmla="val 44544"/>
+              <a:gd name="adj2" fmla="val 98811"/>
+              <a:gd name="adj3" fmla="val 45163"/>
+              <a:gd name="adj4" fmla="val 138685"/>
             </a:avLst>
           </a:prstGeom>
           <a:noFill/>
@@ -3240,12 +3293,28 @@
           <a:p>
             <a:pPr algn="ctr"/>
             <a:r>
+              <a:rPr lang="zh-CN" altLang="en-US" sz="1200" dirty="0">
+                <a:solidFill>
+                  <a:srgbClr val="FF0000"/>
+                </a:solidFill>
+              </a:rPr>
+              <a:t>数值</a:t>
+            </a:r>
+            <a:r>
               <a:rPr lang="zh-CN" altLang="en-US" sz="1200" dirty="0" smtClean="0">
                 <a:solidFill>
                   <a:srgbClr val="FF0000"/>
                 </a:solidFill>
               </a:rPr>
-              <a:t>点击查看结果</a:t>
+              <a:t>型自变量列</a:t>
+            </a:r>
+            <a:r>
+              <a:rPr lang="zh-CN" altLang="en-US" sz="1200" dirty="0" smtClean="0">
+                <a:solidFill>
+                  <a:srgbClr val="FF0000"/>
+                </a:solidFill>
+              </a:rPr>
+              <a:t>数</a:t>
             </a:r>
             <a:endParaRPr lang="zh-CN" altLang="en-US" sz="1200" dirty="0">
               <a:solidFill>
@@ -3257,59 +3326,21 @@
       </p:sp>
       <p:sp>
         <p:nvSpPr>
-          <p:cNvPr id="2" name="TextBox 1"/>
-          <p:cNvSpPr txBox="1"/>
+          <p:cNvPr id="19" name="线形标注 1 18"/>
+          <p:cNvSpPr/>
           <p:nvPr/>
         </p:nvSpPr>
         <p:spPr>
           <a:xfrm>
-            <a:off x="1907704" y="188640"/>
-            <a:ext cx="3672408" cy="523220"/>
-          </a:xfrm>
-          <a:prstGeom prst="rect">
-            <a:avLst/>
-          </a:prstGeom>
-          <a:noFill/>
-        </p:spPr>
-        <p:txBody>
-          <a:bodyPr wrap="square" rtlCol="0">
-            <a:spAutoFit/>
-          </a:bodyPr>
-          <a:lstStyle/>
-          <a:p>
-            <a:r>
-              <a:rPr lang="zh-CN" altLang="en-US" sz="2800" b="1" dirty="0" smtClean="0">
-                <a:solidFill>
-                  <a:srgbClr val="FF0000"/>
-                </a:solidFill>
-              </a:rPr>
-              <a:t>界面介绍</a:t>
-            </a:r>
-            <a:endParaRPr lang="zh-CN" altLang="en-US" sz="2800" b="1" dirty="0">
-              <a:solidFill>
-                <a:srgbClr val="FF0000"/>
-              </a:solidFill>
-            </a:endParaRPr>
-          </a:p>
-        </p:txBody>
-      </p:sp>
-      <p:sp>
-        <p:nvSpPr>
-          <p:cNvPr id="12" name="线形标注 1 11"/>
-          <p:cNvSpPr/>
-          <p:nvPr/>
-        </p:nvSpPr>
-        <p:spPr>
-          <a:xfrm>
-            <a:off x="1979712" y="3844260"/>
-            <a:ext cx="1124940" cy="432048"/>
+            <a:off x="2087489" y="5221393"/>
+            <a:ext cx="971678" cy="432048"/>
           </a:xfrm>
           <a:prstGeom prst="borderCallout1">
             <a:avLst>
-              <a:gd name="adj1" fmla="val 50496"/>
-              <a:gd name="adj2" fmla="val 100338"/>
-              <a:gd name="adj3" fmla="val 79578"/>
-              <a:gd name="adj4" fmla="val 133128"/>
+              <a:gd name="adj1" fmla="val 44544"/>
+              <a:gd name="adj2" fmla="val 98811"/>
+              <a:gd name="adj3" fmla="val 45163"/>
+              <a:gd name="adj4" fmla="val 138685"/>
             </a:avLst>
           </a:prstGeom>
           <a:noFill/>
@@ -3346,15 +3377,7 @@
                   <a:srgbClr val="FF0000"/>
                 </a:solidFill>
               </a:rPr>
-              <a:t>输入自变量</a:t>
-            </a:r>
-            <a:r>
-              <a:rPr lang="zh-CN" altLang="en-US" sz="1200" dirty="0">
-                <a:solidFill>
-                  <a:srgbClr val="FF0000"/>
-                </a:solidFill>
-              </a:rPr>
-              <a:t>列</a:t>
+              <a:t>分类型自变量列</a:t>
             </a:r>
             <a:r>
               <a:rPr lang="zh-CN" altLang="en-US" sz="1200" dirty="0" smtClean="0">
@@ -3362,7 +3385,7 @@
                   <a:srgbClr val="FF0000"/>
                 </a:solidFill>
               </a:rPr>
-              <a:t>数（分类变量）</a:t>
+              <a:t>数</a:t>
             </a:r>
             <a:endParaRPr lang="zh-CN" altLang="en-US" sz="1200" dirty="0">
               <a:solidFill>
@@ -3374,21 +3397,21 @@
       </p:sp>
       <p:sp>
         <p:nvSpPr>
-          <p:cNvPr id="15" name="线形标注 1 14"/>
+          <p:cNvPr id="20" name="线形标注 1 19"/>
           <p:cNvSpPr/>
           <p:nvPr/>
         </p:nvSpPr>
         <p:spPr>
           <a:xfrm>
-            <a:off x="1979712" y="4428708"/>
-            <a:ext cx="1124940" cy="432048"/>
+            <a:off x="2087489" y="5832723"/>
+            <a:ext cx="971678" cy="432048"/>
           </a:xfrm>
           <a:prstGeom prst="borderCallout1">
             <a:avLst>
-              <a:gd name="adj1" fmla="val 50496"/>
-              <a:gd name="adj2" fmla="val 100338"/>
-              <a:gd name="adj3" fmla="val 76051"/>
-              <a:gd name="adj4" fmla="val 132225"/>
+              <a:gd name="adj1" fmla="val 44544"/>
+              <a:gd name="adj2" fmla="val 98811"/>
+              <a:gd name="adj3" fmla="val 45163"/>
+              <a:gd name="adj4" fmla="val 138685"/>
             </a:avLst>
           </a:prstGeom>
           <a:noFill/>
@@ -3425,23 +3448,70 @@
                   <a:srgbClr val="FF0000"/>
                 </a:solidFill>
               </a:rPr>
-              <a:t>输入自变量</a:t>
-            </a:r>
-            <a:r>
-              <a:rPr lang="zh-CN" altLang="en-US" sz="1200" dirty="0">
-                <a:solidFill>
-                  <a:srgbClr val="FF0000"/>
-                </a:solidFill>
-              </a:rPr>
-              <a:t>列</a:t>
-            </a:r>
+              <a:t>模型预测效果评估方法</a:t>
+            </a:r>
+            <a:endParaRPr lang="zh-CN" altLang="en-US" sz="1200" dirty="0">
+              <a:solidFill>
+                <a:srgbClr val="FF0000"/>
+              </a:solidFill>
+            </a:endParaRPr>
+          </a:p>
+        </p:txBody>
+      </p:sp>
+      <p:sp>
+        <p:nvSpPr>
+          <p:cNvPr id="21" name="线形标注 1 20"/>
+          <p:cNvSpPr/>
+          <p:nvPr/>
+        </p:nvSpPr>
+        <p:spPr>
+          <a:xfrm>
+            <a:off x="2002551" y="6687183"/>
+            <a:ext cx="1141553" cy="288032"/>
+          </a:xfrm>
+          <a:prstGeom prst="borderCallout1">
+            <a:avLst>
+              <a:gd name="adj1" fmla="val 44544"/>
+              <a:gd name="adj2" fmla="val 98811"/>
+              <a:gd name="adj3" fmla="val 46142"/>
+              <a:gd name="adj4" fmla="val 124961"/>
+            </a:avLst>
+          </a:prstGeom>
+          <a:noFill/>
+          <a:ln>
+            <a:solidFill>
+              <a:srgbClr val="FF0000"/>
+            </a:solidFill>
+          </a:ln>
+        </p:spPr>
+        <p:style>
+          <a:lnRef idx="2">
+            <a:schemeClr val="accent1">
+              <a:shade val="50000"/>
+            </a:schemeClr>
+          </a:lnRef>
+          <a:fillRef idx="1">
+            <a:schemeClr val="accent1"/>
+          </a:fillRef>
+          <a:effectRef idx="0">
+            <a:schemeClr val="accent1"/>
+          </a:effectRef>
+          <a:fontRef idx="minor">
+            <a:schemeClr val="lt1"/>
+          </a:fontRef>
+        </p:style>
+        <p:txBody>
+          <a:bodyPr rtlCol="0" anchor="ctr"/>
+          <a:lstStyle/>
+          <a:p>
+            <a:pPr algn="ctr"/>
             <a:r>
               <a:rPr lang="zh-CN" altLang="en-US" sz="1200" dirty="0" smtClean="0">
                 <a:solidFill>
                   <a:srgbClr val="FF0000"/>
                 </a:solidFill>
               </a:rPr>
-              <a:t>数（连续变量）</a:t>
+              <a:t>导入测试数据</a:t>
             </a:r>
             <a:endParaRPr lang="zh-CN" altLang="en-US" sz="1200" dirty="0">
               <a:solidFill>
@@ -3451,70 +3521,229 @@
           </a:p>
         </p:txBody>
       </p:sp>
+      <p:sp>
+        <p:nvSpPr>
+          <p:cNvPr id="22" name="线形标注 1 21"/>
+          <p:cNvSpPr/>
+          <p:nvPr/>
+        </p:nvSpPr>
+        <p:spPr>
+          <a:xfrm>
+            <a:off x="1999000" y="7272883"/>
+            <a:ext cx="1141553" cy="288032"/>
+          </a:xfrm>
+          <a:prstGeom prst="borderCallout1">
+            <a:avLst>
+              <a:gd name="adj1" fmla="val 44544"/>
+              <a:gd name="adj2" fmla="val 98811"/>
+              <a:gd name="adj3" fmla="val 46142"/>
+              <a:gd name="adj4" fmla="val 124961"/>
+            </a:avLst>
+          </a:prstGeom>
+          <a:noFill/>
+          <a:ln>
+            <a:solidFill>
+              <a:srgbClr val="FF0000"/>
+            </a:solidFill>
+          </a:ln>
+        </p:spPr>
+        <p:style>
+          <a:lnRef idx="2">
+            <a:schemeClr val="accent1">
+              <a:shade val="50000"/>
+            </a:schemeClr>
+          </a:lnRef>
+          <a:fillRef idx="1">
+            <a:schemeClr val="accent1"/>
+          </a:fillRef>
+          <a:effectRef idx="0">
+            <a:schemeClr val="accent1"/>
+          </a:effectRef>
+          <a:fontRef idx="minor">
+            <a:schemeClr val="lt1"/>
+          </a:fontRef>
+        </p:style>
+        <p:txBody>
+          <a:bodyPr rtlCol="0" anchor="ctr"/>
+          <a:lstStyle/>
+          <a:p>
+            <a:pPr algn="ctr"/>
+            <a:r>
+              <a:rPr lang="zh-CN" altLang="en-US" sz="1200" dirty="0" smtClean="0">
+                <a:solidFill>
+                  <a:srgbClr val="FF0000"/>
+                </a:solidFill>
+              </a:rPr>
+              <a:t>点击查看结果</a:t>
+            </a:r>
+            <a:endParaRPr lang="zh-CN" altLang="en-US" sz="1200" dirty="0">
+              <a:solidFill>
+                <a:srgbClr val="FF0000"/>
+              </a:solidFill>
+            </a:endParaRPr>
+          </a:p>
+        </p:txBody>
+      </p:sp>
+      <p:sp>
+        <p:nvSpPr>
+          <p:cNvPr id="23" name="线形标注 1 22"/>
+          <p:cNvSpPr/>
+          <p:nvPr/>
+        </p:nvSpPr>
+        <p:spPr>
+          <a:xfrm>
+            <a:off x="1998999" y="7776939"/>
+            <a:ext cx="1141553" cy="288032"/>
+          </a:xfrm>
+          <a:prstGeom prst="borderCallout1">
+            <a:avLst>
+              <a:gd name="adj1" fmla="val 44544"/>
+              <a:gd name="adj2" fmla="val 98811"/>
+              <a:gd name="adj3" fmla="val 46142"/>
+              <a:gd name="adj4" fmla="val 124961"/>
+            </a:avLst>
+          </a:prstGeom>
+          <a:noFill/>
+          <a:ln>
+            <a:solidFill>
+              <a:srgbClr val="FF0000"/>
+            </a:solidFill>
+          </a:ln>
+        </p:spPr>
+        <p:style>
+          <a:lnRef idx="2">
+            <a:schemeClr val="accent1">
+              <a:shade val="50000"/>
+            </a:schemeClr>
+          </a:lnRef>
+          <a:fillRef idx="1">
+            <a:schemeClr val="accent1"/>
+          </a:fillRef>
+          <a:effectRef idx="0">
+            <a:schemeClr val="accent1"/>
+          </a:effectRef>
+          <a:fontRef idx="minor">
+            <a:schemeClr val="lt1"/>
+          </a:fontRef>
+        </p:style>
+        <p:txBody>
+          <a:bodyPr rtlCol="0" anchor="ctr"/>
+          <a:lstStyle/>
+          <a:p>
+            <a:pPr algn="ctr"/>
+            <a:r>
+              <a:rPr lang="zh-CN" altLang="en-US" sz="1200" dirty="0" smtClean="0">
+                <a:solidFill>
+                  <a:srgbClr val="FF0000"/>
+                </a:solidFill>
+              </a:rPr>
+              <a:t>下载结果</a:t>
+            </a:r>
+            <a:endParaRPr lang="zh-CN" altLang="en-US" sz="1200" dirty="0">
+              <a:solidFill>
+                <a:srgbClr val="FF0000"/>
+              </a:solidFill>
+            </a:endParaRPr>
+          </a:p>
+        </p:txBody>
+      </p:sp>
+      <p:sp>
+        <p:nvSpPr>
+          <p:cNvPr id="24" name="线形标注 1 23"/>
+          <p:cNvSpPr/>
+          <p:nvPr/>
+        </p:nvSpPr>
+        <p:spPr>
+          <a:xfrm>
+            <a:off x="2002550" y="8277522"/>
+            <a:ext cx="1141553" cy="288032"/>
+          </a:xfrm>
+          <a:prstGeom prst="borderCallout1">
+            <a:avLst>
+              <a:gd name="adj1" fmla="val 44544"/>
+              <a:gd name="adj2" fmla="val 98811"/>
+              <a:gd name="adj3" fmla="val 46142"/>
+              <a:gd name="adj4" fmla="val 124961"/>
+            </a:avLst>
+          </a:prstGeom>
+          <a:noFill/>
+          <a:ln>
+            <a:solidFill>
+              <a:srgbClr val="FF0000"/>
+            </a:solidFill>
+          </a:ln>
+        </p:spPr>
+        <p:style>
+          <a:lnRef idx="2">
+            <a:schemeClr val="accent1">
+              <a:shade val="50000"/>
+            </a:schemeClr>
+          </a:lnRef>
+          <a:fillRef idx="1">
+            <a:schemeClr val="accent1"/>
+          </a:fillRef>
+          <a:effectRef idx="0">
+            <a:schemeClr val="accent1"/>
+          </a:effectRef>
+          <a:fontRef idx="minor">
+            <a:schemeClr val="lt1"/>
+          </a:fontRef>
+        </p:style>
+        <p:txBody>
+          <a:bodyPr rtlCol="0" anchor="ctr"/>
+          <a:lstStyle/>
+          <a:p>
+            <a:pPr algn="ctr"/>
+            <a:r>
+              <a:rPr lang="zh-CN" altLang="en-US" sz="1200" dirty="0" smtClean="0">
+                <a:solidFill>
+                  <a:srgbClr val="FF0000"/>
+                </a:solidFill>
+              </a:rPr>
+              <a:t>下载残差图</a:t>
+            </a:r>
+            <a:endParaRPr lang="zh-CN" altLang="en-US" sz="1200" dirty="0">
+              <a:solidFill>
+                <a:srgbClr val="FF0000"/>
+              </a:solidFill>
+            </a:endParaRPr>
+          </a:p>
+        </p:txBody>
+      </p:sp>
+      <p:sp>
+        <p:nvSpPr>
+          <p:cNvPr id="5" name="TextBox 4"/>
+          <p:cNvSpPr txBox="1"/>
+          <p:nvPr/>
+        </p:nvSpPr>
+        <p:spPr>
+          <a:xfrm>
+            <a:off x="3144104" y="2160315"/>
+            <a:ext cx="2790760" cy="338554"/>
+          </a:xfrm>
+          <a:prstGeom prst="rect">
+            <a:avLst/>
+          </a:prstGeom>
+          <a:noFill/>
+        </p:spPr>
+        <p:txBody>
+          <a:bodyPr wrap="square" rtlCol="0">
+            <a:spAutoFit/>
+          </a:bodyPr>
+          <a:lstStyle/>
+          <a:p>
+            <a:r>
+              <a:rPr lang="zh-CN" altLang="en-US" sz="1600" b="1" dirty="0" smtClean="0"/>
+              <a:t>多重线性模型</a:t>
+            </a:r>
+            <a:endParaRPr lang="zh-CN" altLang="en-US" sz="1600" b="1" dirty="0"/>
+          </a:p>
+        </p:txBody>
+      </p:sp>
     </p:spTree>
     <p:extLst>
       <p:ext uri="{BB962C8B-B14F-4D97-AF65-F5344CB8AC3E}">
         <p14:creationId xmlns:p14="http://schemas.microsoft.com/office/powerpoint/2010/main" val="161924311"/>
-      </p:ext>
-    </p:extLst>
-  </p:cSld>
-  <p:clrMapOvr>
-    <a:masterClrMapping/>
-  </p:clrMapOvr>
-</p:sld>
-</file>
-
-<file path=ppt/slides/slide2.xml><?xml version="1.0" encoding="utf-8"?>
-<p:sld xmlns:a="http://schemas.openxmlformats.org/drawingml/2006/main" xmlns:r="http://schemas.openxmlformats.org/officeDocument/2006/relationships" xmlns:p="http://schemas.openxmlformats.org/presentationml/2006/main">
-  <p:cSld>
-    <p:spTree>
-      <p:nvGrpSpPr>
-        <p:cNvPr id="1" name=""/>
-        <p:cNvGrpSpPr/>
-        <p:nvPr/>
-      </p:nvGrpSpPr>
-      <p:grpSpPr>
-        <a:xfrm>
-          <a:off x="0" y="0"/>
-          <a:ext cx="0" cy="0"/>
-          <a:chOff x="0" y="0"/>
-          <a:chExt cx="0" cy="0"/>
-        </a:xfrm>
-      </p:grpSpPr>
-      <p:pic>
-        <p:nvPicPr>
-          <p:cNvPr id="3" name="图片 2"/>
-          <p:cNvPicPr>
-            <a:picLocks noChangeAspect="1"/>
-          </p:cNvPicPr>
-          <p:nvPr/>
-        </p:nvPicPr>
-        <p:blipFill>
-          <a:blip r:embed="rId2">
-            <a:extLst>
-              <a:ext uri="{28A0092B-C50C-407E-A947-70E740481C1C}">
-                <a14:useLocalDpi xmlns:a14="http://schemas.microsoft.com/office/drawing/2010/main" val="0"/>
-              </a:ext>
-            </a:extLst>
-          </a:blip>
-          <a:stretch>
-            <a:fillRect/>
-          </a:stretch>
-        </p:blipFill>
-        <p:spPr>
-          <a:xfrm>
-            <a:off x="1835696" y="1412776"/>
-            <a:ext cx="4743694" cy="3391074"/>
-          </a:xfrm>
-          <a:prstGeom prst="rect">
-            <a:avLst/>
-          </a:prstGeom>
-        </p:spPr>
-      </p:pic>
-    </p:spTree>
-    <p:extLst>
-      <p:ext uri="{BB962C8B-B14F-4D97-AF65-F5344CB8AC3E}">
-        <p14:creationId xmlns:p14="http://schemas.microsoft.com/office/powerpoint/2010/main" val="2124755302"/>
       </p:ext>
     </p:extLst>
   </p:cSld>
